--- a/docs/diagrams/UiComponentClassDiagram.pptx
+++ b/docs/diagrams/UiComponentClassDiagram.pptx
@@ -208,7 +208,7 @@
           <a:p>
             <a:fld id="{F5CC4B3F-88C1-4FFA-B1B6-F41C21DC6924}" type="datetimeFigureOut">
               <a:rPr lang="en-US" smtClean="0"/>
-              <a:t>1/7/2017</a:t>
+              <a:t>11/6/2018</a:t>
             </a:fld>
             <a:endParaRPr lang="en-US"/>
           </a:p>
@@ -654,7 +654,7 @@
           <a:p>
             <a:fld id="{78C97017-6FC3-485B-9764-EAC9E56C1D49}" type="datetimeFigureOut">
               <a:rPr lang="en-US" smtClean="0"/>
-              <a:t>1/7/2017</a:t>
+              <a:t>11/6/2018</a:t>
             </a:fld>
             <a:endParaRPr lang="en-US"/>
           </a:p>
@@ -822,7 +822,7 @@
           <a:p>
             <a:fld id="{78C97017-6FC3-485B-9764-EAC9E56C1D49}" type="datetimeFigureOut">
               <a:rPr lang="en-US" smtClean="0"/>
-              <a:t>1/7/2017</a:t>
+              <a:t>11/6/2018</a:t>
             </a:fld>
             <a:endParaRPr lang="en-US"/>
           </a:p>
@@ -1000,7 +1000,7 @@
           <a:p>
             <a:fld id="{78C97017-6FC3-485B-9764-EAC9E56C1D49}" type="datetimeFigureOut">
               <a:rPr lang="en-US" smtClean="0"/>
-              <a:t>1/7/2017</a:t>
+              <a:t>11/6/2018</a:t>
             </a:fld>
             <a:endParaRPr lang="en-US"/>
           </a:p>
@@ -1168,7 +1168,7 @@
           <a:p>
             <a:fld id="{78C97017-6FC3-485B-9764-EAC9E56C1D49}" type="datetimeFigureOut">
               <a:rPr lang="en-US" smtClean="0"/>
-              <a:t>1/7/2017</a:t>
+              <a:t>11/6/2018</a:t>
             </a:fld>
             <a:endParaRPr lang="en-US"/>
           </a:p>
@@ -1413,7 +1413,7 @@
           <a:p>
             <a:fld id="{78C97017-6FC3-485B-9764-EAC9E56C1D49}" type="datetimeFigureOut">
               <a:rPr lang="en-US" smtClean="0"/>
-              <a:t>1/7/2017</a:t>
+              <a:t>11/6/2018</a:t>
             </a:fld>
             <a:endParaRPr lang="en-US"/>
           </a:p>
@@ -1698,7 +1698,7 @@
           <a:p>
             <a:fld id="{78C97017-6FC3-485B-9764-EAC9E56C1D49}" type="datetimeFigureOut">
               <a:rPr lang="en-US" smtClean="0"/>
-              <a:t>1/7/2017</a:t>
+              <a:t>11/6/2018</a:t>
             </a:fld>
             <a:endParaRPr lang="en-US"/>
           </a:p>
@@ -2117,7 +2117,7 @@
           <a:p>
             <a:fld id="{78C97017-6FC3-485B-9764-EAC9E56C1D49}" type="datetimeFigureOut">
               <a:rPr lang="en-US" smtClean="0"/>
-              <a:t>1/7/2017</a:t>
+              <a:t>11/6/2018</a:t>
             </a:fld>
             <a:endParaRPr lang="en-US"/>
           </a:p>
@@ -2234,7 +2234,7 @@
           <a:p>
             <a:fld id="{78C97017-6FC3-485B-9764-EAC9E56C1D49}" type="datetimeFigureOut">
               <a:rPr lang="en-US" smtClean="0"/>
-              <a:t>1/7/2017</a:t>
+              <a:t>11/6/2018</a:t>
             </a:fld>
             <a:endParaRPr lang="en-US"/>
           </a:p>
@@ -2329,7 +2329,7 @@
           <a:p>
             <a:fld id="{78C97017-6FC3-485B-9764-EAC9E56C1D49}" type="datetimeFigureOut">
               <a:rPr lang="en-US" smtClean="0"/>
-              <a:t>1/7/2017</a:t>
+              <a:t>11/6/2018</a:t>
             </a:fld>
             <a:endParaRPr lang="en-US"/>
           </a:p>
@@ -2604,7 +2604,7 @@
           <a:p>
             <a:fld id="{78C97017-6FC3-485B-9764-EAC9E56C1D49}" type="datetimeFigureOut">
               <a:rPr lang="en-US" smtClean="0"/>
-              <a:t>1/7/2017</a:t>
+              <a:t>11/6/2018</a:t>
             </a:fld>
             <a:endParaRPr lang="en-US"/>
           </a:p>
@@ -2856,7 +2856,7 @@
           <a:p>
             <a:fld id="{78C97017-6FC3-485B-9764-EAC9E56C1D49}" type="datetimeFigureOut">
               <a:rPr lang="en-US" smtClean="0"/>
-              <a:t>1/7/2017</a:t>
+              <a:t>11/6/2018</a:t>
             </a:fld>
             <a:endParaRPr lang="en-US"/>
           </a:p>
@@ -3067,7 +3067,7 @@
           <a:p>
             <a:fld id="{78C97017-6FC3-485B-9764-EAC9E56C1D49}" type="datetimeFigureOut">
               <a:rPr lang="en-US" smtClean="0"/>
-              <a:t>1/7/2017</a:t>
+              <a:t>11/6/2018</a:t>
             </a:fld>
             <a:endParaRPr lang="en-US"/>
           </a:p>
@@ -3945,7 +3945,7 @@
         </p:nvSpPr>
         <p:spPr>
           <a:xfrm>
-            <a:off x="2592527" y="4563759"/>
+            <a:off x="2592527" y="4778155"/>
             <a:ext cx="1093635" cy="236841"/>
           </a:xfrm>
           <a:prstGeom prst="rect">
@@ -4005,7 +4005,7 @@
         </p:nvSpPr>
         <p:spPr>
           <a:xfrm>
-            <a:off x="2592526" y="3991960"/>
+            <a:off x="2588202" y="4106430"/>
             <a:ext cx="1093635" cy="236841"/>
           </a:xfrm>
           <a:prstGeom prst="rect">
@@ -4065,7 +4065,7 @@
         </p:nvSpPr>
         <p:spPr>
           <a:xfrm>
-            <a:off x="3839323" y="4228801"/>
+            <a:off x="3834999" y="4343271"/>
             <a:ext cx="1040906" cy="236841"/>
           </a:xfrm>
           <a:prstGeom prst="rect">
@@ -4125,7 +4125,7 @@
         </p:nvSpPr>
         <p:spPr>
           <a:xfrm>
-            <a:off x="2592528" y="4966000"/>
+            <a:off x="2589447" y="5113539"/>
             <a:ext cx="1093635" cy="236841"/>
           </a:xfrm>
           <a:prstGeom prst="rect">
@@ -4378,8 +4378,8 @@
         </p:nvCxnSpPr>
         <p:spPr>
           <a:xfrm rot="16200000" flipH="1">
-            <a:off x="1883148" y="3401003"/>
-            <a:ext cx="1242356" cy="176400"/>
+            <a:off x="1823751" y="3460400"/>
+            <a:ext cx="1356826" cy="172076"/>
           </a:xfrm>
           <a:prstGeom prst="bentConnector2">
             <a:avLst/>
@@ -4419,8 +4419,8 @@
         </p:nvCxnSpPr>
         <p:spPr>
           <a:xfrm rot="16200000" flipH="1">
-            <a:off x="1597249" y="3686901"/>
-            <a:ext cx="1814155" cy="176401"/>
+            <a:off x="1490051" y="3794099"/>
+            <a:ext cx="2028551" cy="176401"/>
           </a:xfrm>
           <a:prstGeom prst="bentConnector2">
             <a:avLst/>
@@ -4459,7 +4459,7 @@
         </p:nvCxnSpPr>
         <p:spPr>
           <a:xfrm rot="16200000" flipH="1">
-            <a:off x="1184119" y="3676012"/>
+            <a:off x="1181038" y="3823551"/>
             <a:ext cx="2396440" cy="420377"/>
           </a:xfrm>
           <a:prstGeom prst="bentConnector2">
@@ -4620,8 +4620,8 @@
         </p:nvCxnSpPr>
         <p:spPr>
           <a:xfrm rot="5400000">
-            <a:off x="4174488" y="2991741"/>
-            <a:ext cx="2061222" cy="649740"/>
+            <a:off x="4115091" y="3046814"/>
+            <a:ext cx="2175692" cy="654064"/>
           </a:xfrm>
           <a:prstGeom prst="bentConnector2">
             <a:avLst/>
@@ -4743,8 +4743,8 @@
         </p:nvCxnSpPr>
         <p:spPr>
           <a:xfrm rot="5400000">
-            <a:off x="3409976" y="2562187"/>
-            <a:ext cx="2396180" cy="1843807"/>
+            <a:off x="3302778" y="2669385"/>
+            <a:ext cx="2610576" cy="1843807"/>
           </a:xfrm>
           <a:prstGeom prst="bentConnector2">
             <a:avLst/>
@@ -4784,8 +4784,8 @@
         </p:nvCxnSpPr>
         <p:spPr>
           <a:xfrm rot="5400000">
-            <a:off x="3208856" y="2763307"/>
-            <a:ext cx="2798421" cy="1843806"/>
+            <a:off x="3133546" y="2835537"/>
+            <a:ext cx="2945960" cy="1846887"/>
           </a:xfrm>
           <a:prstGeom prst="bentConnector2">
             <a:avLst/>
@@ -5168,7 +5168,7 @@
         </p:nvCxnSpPr>
         <p:spPr>
           <a:xfrm rot="16200000" flipH="1">
-            <a:off x="3430123" y="3938021"/>
+            <a:off x="3425799" y="4052491"/>
             <a:ext cx="118421" cy="699979"/>
           </a:xfrm>
           <a:prstGeom prst="bentConnector2">
@@ -5209,8 +5209,8 @@
         </p:nvCxnSpPr>
         <p:spPr>
           <a:xfrm rot="5400000">
-            <a:off x="3695875" y="2276286"/>
-            <a:ext cx="1824381" cy="1843808"/>
+            <a:off x="3636478" y="2331359"/>
+            <a:ext cx="1938851" cy="1848132"/>
           </a:xfrm>
           <a:prstGeom prst="bentConnector2">
             <a:avLst/>
@@ -5435,8 +5435,96 @@
         </p:nvSpPr>
         <p:spPr>
           <a:xfrm flipV="1">
-            <a:off x="4114799" y="4472708"/>
+            <a:off x="4110475" y="4587178"/>
             <a:ext cx="2642195" cy="101600"/>
+          </a:xfrm>
+          <a:custGeom>
+            <a:avLst/>
+            <a:gdLst>
+              <a:gd name="connsiteX0" fmla="*/ 0 w 3048000"/>
+              <a:gd name="connsiteY0" fmla="*/ 203200 h 203200"/>
+              <a:gd name="connsiteX1" fmla="*/ 221673 w 3048000"/>
+              <a:gd name="connsiteY1" fmla="*/ 0 h 203200"/>
+              <a:gd name="connsiteX2" fmla="*/ 3048000 w 3048000"/>
+              <a:gd name="connsiteY2" fmla="*/ 0 h 203200"/>
+            </a:gdLst>
+            <a:ahLst/>
+            <a:cxnLst>
+              <a:cxn ang="0">
+                <a:pos x="connsiteX0" y="connsiteY0"/>
+              </a:cxn>
+              <a:cxn ang="0">
+                <a:pos x="connsiteX1" y="connsiteY1"/>
+              </a:cxn>
+              <a:cxn ang="0">
+                <a:pos x="connsiteX2" y="connsiteY2"/>
+              </a:cxn>
+            </a:cxnLst>
+            <a:rect l="l" t="t" r="r" b="b"/>
+            <a:pathLst>
+              <a:path w="3048000" h="203200">
+                <a:moveTo>
+                  <a:pt x="0" y="203200"/>
+                </a:moveTo>
+                <a:lnTo>
+                  <a:pt x="221673" y="0"/>
+                </a:lnTo>
+                <a:lnTo>
+                  <a:pt x="3048000" y="0"/>
+                </a:lnTo>
+              </a:path>
+            </a:pathLst>
+          </a:custGeom>
+          <a:noFill/>
+          <a:ln w="19050">
+            <a:solidFill>
+              <a:schemeClr val="accent3"/>
+            </a:solidFill>
+            <a:prstDash val="sysDot"/>
+            <a:headEnd type="none" w="med" len="med"/>
+            <a:tailEnd type="arrow" w="med" len="med"/>
+          </a:ln>
+          <a:effectLst/>
+        </p:spPr>
+        <p:style>
+          <a:lnRef idx="1">
+            <a:schemeClr val="accent2"/>
+          </a:lnRef>
+          <a:fillRef idx="2">
+            <a:schemeClr val="accent2"/>
+          </a:fillRef>
+          <a:effectRef idx="1">
+            <a:schemeClr val="accent2"/>
+          </a:effectRef>
+          <a:fontRef idx="minor">
+            <a:schemeClr val="dk1"/>
+          </a:fontRef>
+        </p:style>
+        <p:txBody>
+          <a:bodyPr rtlCol="0" anchor="ctr"/>
+          <a:lstStyle/>
+          <a:p>
+            <a:pPr algn="ctr"/>
+            <a:endParaRPr lang="en-SG"/>
+          </a:p>
+        </p:txBody>
+      </p:sp>
+      <p:sp>
+        <p:nvSpPr>
+          <p:cNvPr id="42" name="Freeform 117">
+            <a:extLst>
+              <a:ext uri="{FF2B5EF4-FFF2-40B4-BE49-F238E27FC236}">
+                <a16:creationId xmlns:a16="http://schemas.microsoft.com/office/drawing/2014/main" id="{7F6B7B13-913C-42F6-BD53-79BCE6579DF4}"/>
+              </a:ext>
+            </a:extLst>
+          </p:cNvPr>
+          <p:cNvSpPr/>
+          <p:nvPr/>
+        </p:nvSpPr>
+        <p:spPr>
+          <a:xfrm flipV="1">
+            <a:off x="3591309" y="3903043"/>
+            <a:ext cx="3161361" cy="261987"/>
           </a:xfrm>
           <a:custGeom>
             <a:avLst/>

--- a/docs/diagrams/UiComponentClassDiagram.pptx
+++ b/docs/diagrams/UiComponentClassDiagram.pptx
@@ -208,7 +208,7 @@
           <a:p>
             <a:fld id="{F5CC4B3F-88C1-4FFA-B1B6-F41C21DC6924}" type="datetimeFigureOut">
               <a:rPr lang="en-US" smtClean="0"/>
-              <a:t>11/6/2018</a:t>
+              <a:t>11/11/2018</a:t>
             </a:fld>
             <a:endParaRPr lang="en-US"/>
           </a:p>
@@ -654,7 +654,7 @@
           <a:p>
             <a:fld id="{78C97017-6FC3-485B-9764-EAC9E56C1D49}" type="datetimeFigureOut">
               <a:rPr lang="en-US" smtClean="0"/>
-              <a:t>11/6/2018</a:t>
+              <a:t>11/11/2018</a:t>
             </a:fld>
             <a:endParaRPr lang="en-US"/>
           </a:p>
@@ -822,7 +822,7 @@
           <a:p>
             <a:fld id="{78C97017-6FC3-485B-9764-EAC9E56C1D49}" type="datetimeFigureOut">
               <a:rPr lang="en-US" smtClean="0"/>
-              <a:t>11/6/2018</a:t>
+              <a:t>11/11/2018</a:t>
             </a:fld>
             <a:endParaRPr lang="en-US"/>
           </a:p>
@@ -1000,7 +1000,7 @@
           <a:p>
             <a:fld id="{78C97017-6FC3-485B-9764-EAC9E56C1D49}" type="datetimeFigureOut">
               <a:rPr lang="en-US" smtClean="0"/>
-              <a:t>11/6/2018</a:t>
+              <a:t>11/11/2018</a:t>
             </a:fld>
             <a:endParaRPr lang="en-US"/>
           </a:p>
@@ -1168,7 +1168,7 @@
           <a:p>
             <a:fld id="{78C97017-6FC3-485B-9764-EAC9E56C1D49}" type="datetimeFigureOut">
               <a:rPr lang="en-US" smtClean="0"/>
-              <a:t>11/6/2018</a:t>
+              <a:t>11/11/2018</a:t>
             </a:fld>
             <a:endParaRPr lang="en-US"/>
           </a:p>
@@ -1413,7 +1413,7 @@
           <a:p>
             <a:fld id="{78C97017-6FC3-485B-9764-EAC9E56C1D49}" type="datetimeFigureOut">
               <a:rPr lang="en-US" smtClean="0"/>
-              <a:t>11/6/2018</a:t>
+              <a:t>11/11/2018</a:t>
             </a:fld>
             <a:endParaRPr lang="en-US"/>
           </a:p>
@@ -1698,7 +1698,7 @@
           <a:p>
             <a:fld id="{78C97017-6FC3-485B-9764-EAC9E56C1D49}" type="datetimeFigureOut">
               <a:rPr lang="en-US" smtClean="0"/>
-              <a:t>11/6/2018</a:t>
+              <a:t>11/11/2018</a:t>
             </a:fld>
             <a:endParaRPr lang="en-US"/>
           </a:p>
@@ -2117,7 +2117,7 @@
           <a:p>
             <a:fld id="{78C97017-6FC3-485B-9764-EAC9E56C1D49}" type="datetimeFigureOut">
               <a:rPr lang="en-US" smtClean="0"/>
-              <a:t>11/6/2018</a:t>
+              <a:t>11/11/2018</a:t>
             </a:fld>
             <a:endParaRPr lang="en-US"/>
           </a:p>
@@ -2234,7 +2234,7 @@
           <a:p>
             <a:fld id="{78C97017-6FC3-485B-9764-EAC9E56C1D49}" type="datetimeFigureOut">
               <a:rPr lang="en-US" smtClean="0"/>
-              <a:t>11/6/2018</a:t>
+              <a:t>11/11/2018</a:t>
             </a:fld>
             <a:endParaRPr lang="en-US"/>
           </a:p>
@@ -2329,7 +2329,7 @@
           <a:p>
             <a:fld id="{78C97017-6FC3-485B-9764-EAC9E56C1D49}" type="datetimeFigureOut">
               <a:rPr lang="en-US" smtClean="0"/>
-              <a:t>11/6/2018</a:t>
+              <a:t>11/11/2018</a:t>
             </a:fld>
             <a:endParaRPr lang="en-US"/>
           </a:p>
@@ -2604,7 +2604,7 @@
           <a:p>
             <a:fld id="{78C97017-6FC3-485B-9764-EAC9E56C1D49}" type="datetimeFigureOut">
               <a:rPr lang="en-US" smtClean="0"/>
-              <a:t>11/6/2018</a:t>
+              <a:t>11/11/2018</a:t>
             </a:fld>
             <a:endParaRPr lang="en-US"/>
           </a:p>
@@ -2856,7 +2856,7 @@
           <a:p>
             <a:fld id="{78C97017-6FC3-485B-9764-EAC9E56C1D49}" type="datetimeFigureOut">
               <a:rPr lang="en-US" smtClean="0"/>
-              <a:t>11/6/2018</a:t>
+              <a:t>11/11/2018</a:t>
             </a:fld>
             <a:endParaRPr lang="en-US"/>
           </a:p>
@@ -3067,7 +3067,7 @@
           <a:p>
             <a:fld id="{78C97017-6FC3-485B-9764-EAC9E56C1D49}" type="datetimeFigureOut">
               <a:rPr lang="en-US" smtClean="0"/>
-              <a:t>11/6/2018</a:t>
+              <a:t>11/11/2018</a:t>
             </a:fld>
             <a:endParaRPr lang="en-US"/>
           </a:p>
@@ -3886,7 +3886,7 @@
         <p:spPr>
           <a:xfrm>
             <a:off x="2592528" y="3649359"/>
-            <a:ext cx="1093635" cy="236841"/>
+            <a:ext cx="1242471" cy="160641"/>
           </a:xfrm>
           <a:prstGeom prst="rect">
             <a:avLst/>
@@ -3925,7 +3925,7 @@
                   </a:schemeClr>
                 </a:solidFill>
               </a:rPr>
-              <a:t>BrowserPanel</a:t>
+              <a:t>EventDetailsPanel</a:t>
             </a:r>
             <a:endParaRPr lang="en-SG" sz="1050" b="1" dirty="0">
               <a:solidFill>
@@ -4330,6 +4330,7 @@
         <p:nvCxnSpPr>
           <p:cNvPr id="44" name="Elbow Connector 63"/>
           <p:cNvCxnSpPr>
+            <a:cxnSpLocks/>
             <a:stCxn id="39" idx="2"/>
             <a:endCxn id="34" idx="1"/>
           </p:cNvCxnSpPr>
@@ -4337,8 +4338,8 @@
         </p:nvCxnSpPr>
         <p:spPr>
           <a:xfrm rot="16200000" flipH="1">
-            <a:off x="2054450" y="3229701"/>
-            <a:ext cx="899755" cy="176402"/>
+            <a:off x="2073500" y="3210651"/>
+            <a:ext cx="861655" cy="176402"/>
           </a:xfrm>
           <a:prstGeom prst="bentConnector2">
             <a:avLst/>
@@ -4654,6 +4655,7 @@
         <p:nvCxnSpPr>
           <p:cNvPr id="82" name="Elbow Connector 63"/>
           <p:cNvCxnSpPr>
+            <a:cxnSpLocks/>
             <a:stCxn id="16" idx="3"/>
             <a:endCxn id="34" idx="3"/>
           </p:cNvCxnSpPr>
@@ -4661,8 +4663,8 @@
         </p:nvCxnSpPr>
         <p:spPr>
           <a:xfrm rot="5400000">
-            <a:off x="3867176" y="2104987"/>
-            <a:ext cx="1481780" cy="1843806"/>
+            <a:off x="3960644" y="2160355"/>
+            <a:ext cx="1443680" cy="1694970"/>
           </a:xfrm>
           <a:prstGeom prst="bentConnector2">
             <a:avLst/>

--- a/docs/diagrams/UiComponentClassDiagram.pptx
+++ b/docs/diagrams/UiComponentClassDiagram.pptx
@@ -208,7 +208,7 @@
           <a:p>
             <a:fld id="{F5CC4B3F-88C1-4FFA-B1B6-F41C21DC6924}" type="datetimeFigureOut">
               <a:rPr lang="en-US" smtClean="0"/>
-              <a:t>11/11/2018</a:t>
+              <a:t>11/12/18</a:t>
             </a:fld>
             <a:endParaRPr lang="en-US"/>
           </a:p>
@@ -654,7 +654,7 @@
           <a:p>
             <a:fld id="{78C97017-6FC3-485B-9764-EAC9E56C1D49}" type="datetimeFigureOut">
               <a:rPr lang="en-US" smtClean="0"/>
-              <a:t>11/11/2018</a:t>
+              <a:t>11/12/18</a:t>
             </a:fld>
             <a:endParaRPr lang="en-US"/>
           </a:p>
@@ -822,7 +822,7 @@
           <a:p>
             <a:fld id="{78C97017-6FC3-485B-9764-EAC9E56C1D49}" type="datetimeFigureOut">
               <a:rPr lang="en-US" smtClean="0"/>
-              <a:t>11/11/2018</a:t>
+              <a:t>11/12/18</a:t>
             </a:fld>
             <a:endParaRPr lang="en-US"/>
           </a:p>
@@ -1000,7 +1000,7 @@
           <a:p>
             <a:fld id="{78C97017-6FC3-485B-9764-EAC9E56C1D49}" type="datetimeFigureOut">
               <a:rPr lang="en-US" smtClean="0"/>
-              <a:t>11/11/2018</a:t>
+              <a:t>11/12/18</a:t>
             </a:fld>
             <a:endParaRPr lang="en-US"/>
           </a:p>
@@ -1168,7 +1168,7 @@
           <a:p>
             <a:fld id="{78C97017-6FC3-485B-9764-EAC9E56C1D49}" type="datetimeFigureOut">
               <a:rPr lang="en-US" smtClean="0"/>
-              <a:t>11/11/2018</a:t>
+              <a:t>11/12/18</a:t>
             </a:fld>
             <a:endParaRPr lang="en-US"/>
           </a:p>
@@ -1413,7 +1413,7 @@
           <a:p>
             <a:fld id="{78C97017-6FC3-485B-9764-EAC9E56C1D49}" type="datetimeFigureOut">
               <a:rPr lang="en-US" smtClean="0"/>
-              <a:t>11/11/2018</a:t>
+              <a:t>11/12/18</a:t>
             </a:fld>
             <a:endParaRPr lang="en-US"/>
           </a:p>
@@ -1698,7 +1698,7 @@
           <a:p>
             <a:fld id="{78C97017-6FC3-485B-9764-EAC9E56C1D49}" type="datetimeFigureOut">
               <a:rPr lang="en-US" smtClean="0"/>
-              <a:t>11/11/2018</a:t>
+              <a:t>11/12/18</a:t>
             </a:fld>
             <a:endParaRPr lang="en-US"/>
           </a:p>
@@ -2117,7 +2117,7 @@
           <a:p>
             <a:fld id="{78C97017-6FC3-485B-9764-EAC9E56C1D49}" type="datetimeFigureOut">
               <a:rPr lang="en-US" smtClean="0"/>
-              <a:t>11/11/2018</a:t>
+              <a:t>11/12/18</a:t>
             </a:fld>
             <a:endParaRPr lang="en-US"/>
           </a:p>
@@ -2234,7 +2234,7 @@
           <a:p>
             <a:fld id="{78C97017-6FC3-485B-9764-EAC9E56C1D49}" type="datetimeFigureOut">
               <a:rPr lang="en-US" smtClean="0"/>
-              <a:t>11/11/2018</a:t>
+              <a:t>11/12/18</a:t>
             </a:fld>
             <a:endParaRPr lang="en-US"/>
           </a:p>
@@ -2329,7 +2329,7 @@
           <a:p>
             <a:fld id="{78C97017-6FC3-485B-9764-EAC9E56C1D49}" type="datetimeFigureOut">
               <a:rPr lang="en-US" smtClean="0"/>
-              <a:t>11/11/2018</a:t>
+              <a:t>11/12/18</a:t>
             </a:fld>
             <a:endParaRPr lang="en-US"/>
           </a:p>
@@ -2604,7 +2604,7 @@
           <a:p>
             <a:fld id="{78C97017-6FC3-485B-9764-EAC9E56C1D49}" type="datetimeFigureOut">
               <a:rPr lang="en-US" smtClean="0"/>
-              <a:t>11/11/2018</a:t>
+              <a:t>11/12/18</a:t>
             </a:fld>
             <a:endParaRPr lang="en-US"/>
           </a:p>
@@ -2856,7 +2856,7 @@
           <a:p>
             <a:fld id="{78C97017-6FC3-485B-9764-EAC9E56C1D49}" type="datetimeFigureOut">
               <a:rPr lang="en-US" smtClean="0"/>
-              <a:t>11/11/2018</a:t>
+              <a:t>11/12/18</a:t>
             </a:fld>
             <a:endParaRPr lang="en-US"/>
           </a:p>
@@ -3067,7 +3067,7 @@
           <a:p>
             <a:fld id="{78C97017-6FC3-485B-9764-EAC9E56C1D49}" type="datetimeFigureOut">
               <a:rPr lang="en-US" smtClean="0"/>
-              <a:t>11/11/2018</a:t>
+              <a:t>11/12/18</a:t>
             </a:fld>
             <a:endParaRPr lang="en-US"/>
           </a:p>
@@ -3444,14 +3444,20 @@
       </p:grpSpPr>
       <p:sp>
         <p:nvSpPr>
-          <p:cNvPr id="23" name="Rectangle 65"/>
+          <p:cNvPr id="45" name="Rectangle 65">
+            <a:extLst>
+              <a:ext uri="{FF2B5EF4-FFF2-40B4-BE49-F238E27FC236}">
+                <a16:creationId xmlns:a16="http://schemas.microsoft.com/office/drawing/2014/main" id="{E0143619-933F-8F43-BD88-3952C7877249}"/>
+              </a:ext>
+            </a:extLst>
+          </p:cNvPr>
           <p:cNvSpPr/>
           <p:nvPr/>
         </p:nvSpPr>
         <p:spPr>
           <a:xfrm>
-            <a:off x="1217465" y="1447800"/>
-            <a:ext cx="4917083" cy="3962400"/>
+            <a:off x="1217465" y="1447799"/>
+            <a:ext cx="4917083" cy="5029197"/>
           </a:xfrm>
           <a:prstGeom prst="roundRect">
             <a:avLst>
@@ -3506,14 +3512,20 @@
       </p:sp>
       <p:sp>
         <p:nvSpPr>
-          <p:cNvPr id="2" name="Rectangle 8"/>
+          <p:cNvPr id="46" name="Rectangle 8">
+            <a:extLst>
+              <a:ext uri="{FF2B5EF4-FFF2-40B4-BE49-F238E27FC236}">
+                <a16:creationId xmlns:a16="http://schemas.microsoft.com/office/drawing/2014/main" id="{60B02FBE-1AF8-FC48-A311-4586358F0D63}"/>
+              </a:ext>
+            </a:extLst>
+          </p:cNvPr>
           <p:cNvSpPr/>
           <p:nvPr/>
         </p:nvSpPr>
         <p:spPr>
           <a:xfrm>
-            <a:off x="2095948" y="2341220"/>
-            <a:ext cx="1093635" cy="346760"/>
+            <a:off x="1984372" y="2341220"/>
+            <a:ext cx="1205212" cy="312716"/>
           </a:xfrm>
           <a:prstGeom prst="rect">
             <a:avLst/>
@@ -3566,7 +3578,13 @@
       </p:sp>
       <p:sp>
         <p:nvSpPr>
-          <p:cNvPr id="3" name="Rectangle 11"/>
+          <p:cNvPr id="48" name="Rectangle 11">
+            <a:extLst>
+              <a:ext uri="{FF2B5EF4-FFF2-40B4-BE49-F238E27FC236}">
+                <a16:creationId xmlns:a16="http://schemas.microsoft.com/office/drawing/2014/main" id="{DB3B6E2C-5844-A74D-8D5E-EF0AEDBEC095}"/>
+              </a:ext>
+            </a:extLst>
+          </p:cNvPr>
           <p:cNvSpPr/>
           <p:nvPr/>
         </p:nvSpPr>
@@ -3626,7 +3644,13 @@
       </p:sp>
       <p:sp>
         <p:nvSpPr>
-          <p:cNvPr id="9" name="Rectangle 62"/>
+          <p:cNvPr id="49" name="Rectangle 62">
+            <a:extLst>
+              <a:ext uri="{FF2B5EF4-FFF2-40B4-BE49-F238E27FC236}">
+                <a16:creationId xmlns:a16="http://schemas.microsoft.com/office/drawing/2014/main" id="{3150102E-FB82-5548-83DC-F0F40BD880D8}"/>
+              </a:ext>
+            </a:extLst>
+          </p:cNvPr>
           <p:cNvSpPr/>
           <p:nvPr/>
         </p:nvSpPr>
@@ -3685,21 +3709,28 @@
       </p:sp>
       <p:cxnSp>
         <p:nvCxnSpPr>
-          <p:cNvPr id="10" name="Elbow Connector 63"/>
+          <p:cNvPr id="51" name="Elbow Connector 63">
+            <a:extLst>
+              <a:ext uri="{FF2B5EF4-FFF2-40B4-BE49-F238E27FC236}">
+                <a16:creationId xmlns:a16="http://schemas.microsoft.com/office/drawing/2014/main" id="{20AF4048-B5E4-B049-AB1F-DE9A92C610FF}"/>
+              </a:ext>
+            </a:extLst>
+          </p:cNvPr>
           <p:cNvCxnSpPr>
-            <a:stCxn id="9" idx="2"/>
-            <a:endCxn id="2" idx="0"/>
+            <a:cxnSpLocks/>
+            <a:stCxn id="49" idx="2"/>
+            <a:endCxn id="46" idx="0"/>
           </p:cNvCxnSpPr>
           <p:nvPr/>
         </p:nvCxnSpPr>
         <p:spPr>
-          <a:xfrm rot="16200000" flipH="1">
-            <a:off x="2529445" y="2227899"/>
-            <a:ext cx="223536" cy="3106"/>
+          <a:xfrm rot="5400000">
+            <a:off x="2501551" y="2203111"/>
+            <a:ext cx="223536" cy="52682"/>
           </a:xfrm>
           <a:prstGeom prst="bentConnector3">
             <a:avLst>
-              <a:gd name="adj1" fmla="val 50000"/>
+              <a:gd name="adj1" fmla="val -14930"/>
             </a:avLst>
           </a:prstGeom>
           <a:ln w="19050">
@@ -3728,7 +3759,13 @@
       </p:cxnSp>
       <p:sp>
         <p:nvSpPr>
-          <p:cNvPr id="16" name="Isosceles Triangle 102"/>
+          <p:cNvPr id="52" name="Isosceles Triangle 102">
+            <a:extLst>
+              <a:ext uri="{FF2B5EF4-FFF2-40B4-BE49-F238E27FC236}">
+                <a16:creationId xmlns:a16="http://schemas.microsoft.com/office/drawing/2014/main" id="{A612CBB9-D6C3-294E-AD5C-690B0EE43B88}"/>
+              </a:ext>
+            </a:extLst>
+          </p:cNvPr>
           <p:cNvSpPr/>
           <p:nvPr/>
         </p:nvSpPr>
@@ -3776,7 +3813,13 @@
       </p:sp>
       <p:cxnSp>
         <p:nvCxnSpPr>
-          <p:cNvPr id="19" name="Elbow Connector 122"/>
+          <p:cNvPr id="54" name="Elbow Connector 122">
+            <a:extLst>
+              <a:ext uri="{FF2B5EF4-FFF2-40B4-BE49-F238E27FC236}">
+                <a16:creationId xmlns:a16="http://schemas.microsoft.com/office/drawing/2014/main" id="{0A9C89E2-1972-644D-AD4C-67036ADFA71A}"/>
+              </a:ext>
+            </a:extLst>
+          </p:cNvPr>
           <p:cNvCxnSpPr/>
           <p:nvPr/>
         </p:nvCxnSpPr>
@@ -3819,7 +3862,13 @@
       </p:cxnSp>
       <p:sp>
         <p:nvSpPr>
-          <p:cNvPr id="22" name="Rectangle 65"/>
+          <p:cNvPr id="55" name="Rectangle 65">
+            <a:extLst>
+              <a:ext uri="{FF2B5EF4-FFF2-40B4-BE49-F238E27FC236}">
+                <a16:creationId xmlns:a16="http://schemas.microsoft.com/office/drawing/2014/main" id="{02CE7D27-107B-3643-A150-DE1A1F180E87}"/>
+              </a:ext>
+            </a:extLst>
+          </p:cNvPr>
           <p:cNvSpPr/>
           <p:nvPr/>
         </p:nvSpPr>
@@ -3879,14 +3928,20 @@
       </p:sp>
       <p:sp>
         <p:nvSpPr>
-          <p:cNvPr id="34" name="Rectangle 11"/>
+          <p:cNvPr id="56" name="Rectangle 11">
+            <a:extLst>
+              <a:ext uri="{FF2B5EF4-FFF2-40B4-BE49-F238E27FC236}">
+                <a16:creationId xmlns:a16="http://schemas.microsoft.com/office/drawing/2014/main" id="{D9DC2212-F4D6-0E45-AAC8-CA859C88BAB7}"/>
+              </a:ext>
+            </a:extLst>
+          </p:cNvPr>
           <p:cNvSpPr/>
           <p:nvPr/>
         </p:nvSpPr>
         <p:spPr>
           <a:xfrm>
             <a:off x="2592528" y="3649359"/>
-            <a:ext cx="1242471" cy="160641"/>
+            <a:ext cx="1093635" cy="236841"/>
           </a:xfrm>
           <a:prstGeom prst="rect">
             <a:avLst/>
@@ -3925,7 +3980,7 @@
                   </a:schemeClr>
                 </a:solidFill>
               </a:rPr>
-              <a:t>EventDetailsPanel</a:t>
+              <a:t>BrowserPanel</a:t>
             </a:r>
             <a:endParaRPr lang="en-SG" sz="1050" b="1" dirty="0">
               <a:solidFill>
@@ -3939,7 +3994,13 @@
       </p:sp>
       <p:sp>
         <p:nvSpPr>
-          <p:cNvPr id="35" name="Rectangle 11"/>
+          <p:cNvPr id="57" name="Rectangle 11">
+            <a:extLst>
+              <a:ext uri="{FF2B5EF4-FFF2-40B4-BE49-F238E27FC236}">
+                <a16:creationId xmlns:a16="http://schemas.microsoft.com/office/drawing/2014/main" id="{77CFAEE4-343F-7547-8DE4-795CA17789CF}"/>
+              </a:ext>
+            </a:extLst>
+          </p:cNvPr>
           <p:cNvSpPr/>
           <p:nvPr/>
         </p:nvSpPr>
@@ -3999,7 +4060,13 @@
       </p:sp>
       <p:sp>
         <p:nvSpPr>
-          <p:cNvPr id="36" name="Rectangle 11"/>
+          <p:cNvPr id="58" name="Rectangle 11">
+            <a:extLst>
+              <a:ext uri="{FF2B5EF4-FFF2-40B4-BE49-F238E27FC236}">
+                <a16:creationId xmlns:a16="http://schemas.microsoft.com/office/drawing/2014/main" id="{C457C5A5-3DFE-264C-A2C7-A49D12B5244A}"/>
+              </a:ext>
+            </a:extLst>
+          </p:cNvPr>
           <p:cNvSpPr/>
           <p:nvPr/>
         </p:nvSpPr>
@@ -4059,7 +4126,13 @@
       </p:sp>
       <p:sp>
         <p:nvSpPr>
-          <p:cNvPr id="37" name="Rectangle 11"/>
+          <p:cNvPr id="59" name="Rectangle 11">
+            <a:extLst>
+              <a:ext uri="{FF2B5EF4-FFF2-40B4-BE49-F238E27FC236}">
+                <a16:creationId xmlns:a16="http://schemas.microsoft.com/office/drawing/2014/main" id="{D299FCD7-688B-354E-860B-21872A2A0FE9}"/>
+              </a:ext>
+            </a:extLst>
+          </p:cNvPr>
           <p:cNvSpPr/>
           <p:nvPr/>
         </p:nvSpPr>
@@ -4119,7 +4192,13 @@
       </p:sp>
       <p:sp>
         <p:nvSpPr>
-          <p:cNvPr id="38" name="Rectangle 11"/>
+          <p:cNvPr id="60" name="Rectangle 11">
+            <a:extLst>
+              <a:ext uri="{FF2B5EF4-FFF2-40B4-BE49-F238E27FC236}">
+                <a16:creationId xmlns:a16="http://schemas.microsoft.com/office/drawing/2014/main" id="{E3E9231A-ADA8-FD4D-BC9A-72700C1D326E}"/>
+              </a:ext>
+            </a:extLst>
+          </p:cNvPr>
           <p:cNvSpPr/>
           <p:nvPr/>
         </p:nvSpPr>
@@ -4179,7 +4258,13 @@
       </p:sp>
       <p:sp>
         <p:nvSpPr>
-          <p:cNvPr id="39" name="Flowchart: Decision 38"/>
+          <p:cNvPr id="61" name="Flowchart: Decision 38">
+            <a:extLst>
+              <a:ext uri="{FF2B5EF4-FFF2-40B4-BE49-F238E27FC236}">
+                <a16:creationId xmlns:a16="http://schemas.microsoft.com/office/drawing/2014/main" id="{0EAFDDD6-77A2-7641-9387-8BF0B5A75CA2}"/>
+              </a:ext>
+            </a:extLst>
+          </p:cNvPr>
           <p:cNvSpPr/>
           <p:nvPr/>
         </p:nvSpPr>
@@ -4227,10 +4312,16 @@
       </p:sp>
       <p:cxnSp>
         <p:nvCxnSpPr>
-          <p:cNvPr id="40" name="Elbow Connector 63"/>
+          <p:cNvPr id="62" name="Elbow Connector 63">
+            <a:extLst>
+              <a:ext uri="{FF2B5EF4-FFF2-40B4-BE49-F238E27FC236}">
+                <a16:creationId xmlns:a16="http://schemas.microsoft.com/office/drawing/2014/main" id="{2817CF53-40F7-674F-B7B2-75D21DDF8C42}"/>
+              </a:ext>
+            </a:extLst>
+          </p:cNvPr>
           <p:cNvCxnSpPr>
-            <a:stCxn id="39" idx="2"/>
-            <a:endCxn id="3" idx="1"/>
+            <a:stCxn id="61" idx="2"/>
+            <a:endCxn id="48" idx="1"/>
           </p:cNvCxnSpPr>
           <p:nvPr/>
         </p:nvCxnSpPr>
@@ -4268,7 +4359,13 @@
       </p:cxnSp>
       <p:sp>
         <p:nvSpPr>
-          <p:cNvPr id="43" name="Rectangle 11"/>
+          <p:cNvPr id="63" name="Rectangle 11">
+            <a:extLst>
+              <a:ext uri="{FF2B5EF4-FFF2-40B4-BE49-F238E27FC236}">
+                <a16:creationId xmlns:a16="http://schemas.microsoft.com/office/drawing/2014/main" id="{95DA1EE7-1438-9E49-BB0C-E6FD373C1EAD}"/>
+              </a:ext>
+            </a:extLst>
+          </p:cNvPr>
           <p:cNvSpPr/>
           <p:nvPr/>
         </p:nvSpPr>
@@ -4328,18 +4425,23 @@
       </p:sp>
       <p:cxnSp>
         <p:nvCxnSpPr>
-          <p:cNvPr id="44" name="Elbow Connector 63"/>
+          <p:cNvPr id="64" name="Elbow Connector 63">
+            <a:extLst>
+              <a:ext uri="{FF2B5EF4-FFF2-40B4-BE49-F238E27FC236}">
+                <a16:creationId xmlns:a16="http://schemas.microsoft.com/office/drawing/2014/main" id="{3DA22E43-126A-8347-BEE3-435C8D405541}"/>
+              </a:ext>
+            </a:extLst>
+          </p:cNvPr>
           <p:cNvCxnSpPr>
-            <a:cxnSpLocks/>
-            <a:stCxn id="39" idx="2"/>
-            <a:endCxn id="34" idx="1"/>
+            <a:stCxn id="61" idx="2"/>
+            <a:endCxn id="56" idx="1"/>
           </p:cNvCxnSpPr>
           <p:nvPr/>
         </p:nvCxnSpPr>
         <p:spPr>
           <a:xfrm rot="16200000" flipH="1">
-            <a:off x="2073500" y="3210651"/>
-            <a:ext cx="861655" cy="176402"/>
+            <a:off x="2054450" y="3229701"/>
+            <a:ext cx="899755" cy="176402"/>
           </a:xfrm>
           <a:prstGeom prst="bentConnector2">
             <a:avLst/>
@@ -4370,10 +4472,16 @@
       </p:cxnSp>
       <p:cxnSp>
         <p:nvCxnSpPr>
-          <p:cNvPr id="47" name="Elbow Connector 63"/>
+          <p:cNvPr id="65" name="Elbow Connector 63">
+            <a:extLst>
+              <a:ext uri="{FF2B5EF4-FFF2-40B4-BE49-F238E27FC236}">
+                <a16:creationId xmlns:a16="http://schemas.microsoft.com/office/drawing/2014/main" id="{68F1493C-7441-3746-B790-9CEBCDB541B7}"/>
+              </a:ext>
+            </a:extLst>
+          </p:cNvPr>
           <p:cNvCxnSpPr>
-            <a:stCxn id="39" idx="2"/>
-            <a:endCxn id="36" idx="1"/>
+            <a:stCxn id="61" idx="2"/>
+            <a:endCxn id="58" idx="1"/>
           </p:cNvCxnSpPr>
           <p:nvPr/>
         </p:nvCxnSpPr>
@@ -4411,10 +4519,16 @@
       </p:cxnSp>
       <p:cxnSp>
         <p:nvCxnSpPr>
-          <p:cNvPr id="50" name="Elbow Connector 63"/>
+          <p:cNvPr id="66" name="Elbow Connector 63">
+            <a:extLst>
+              <a:ext uri="{FF2B5EF4-FFF2-40B4-BE49-F238E27FC236}">
+                <a16:creationId xmlns:a16="http://schemas.microsoft.com/office/drawing/2014/main" id="{3E331C9C-F724-F54C-84D3-4FD4996BEAF2}"/>
+              </a:ext>
+            </a:extLst>
+          </p:cNvPr>
           <p:cNvCxnSpPr>
-            <a:stCxn id="39" idx="2"/>
-            <a:endCxn id="35" idx="1"/>
+            <a:stCxn id="61" idx="2"/>
+            <a:endCxn id="57" idx="1"/>
           </p:cNvCxnSpPr>
           <p:nvPr/>
         </p:nvCxnSpPr>
@@ -4452,9 +4566,15 @@
       </p:cxnSp>
       <p:cxnSp>
         <p:nvCxnSpPr>
-          <p:cNvPr id="53" name="Elbow Connector 63"/>
+          <p:cNvPr id="67" name="Elbow Connector 63">
+            <a:extLst>
+              <a:ext uri="{FF2B5EF4-FFF2-40B4-BE49-F238E27FC236}">
+                <a16:creationId xmlns:a16="http://schemas.microsoft.com/office/drawing/2014/main" id="{53857B86-0621-7341-B933-6218AD7C8F5D}"/>
+              </a:ext>
+            </a:extLst>
+          </p:cNvPr>
           <p:cNvCxnSpPr>
-            <a:endCxn id="38" idx="1"/>
+            <a:endCxn id="60" idx="1"/>
           </p:cNvCxnSpPr>
           <p:nvPr/>
         </p:nvCxnSpPr>
@@ -4492,7 +4612,13 @@
       </p:cxnSp>
       <p:sp>
         <p:nvSpPr>
-          <p:cNvPr id="73" name="Rectangle 62"/>
+          <p:cNvPr id="68" name="Rectangle 62">
+            <a:extLst>
+              <a:ext uri="{FF2B5EF4-FFF2-40B4-BE49-F238E27FC236}">
+                <a16:creationId xmlns:a16="http://schemas.microsoft.com/office/drawing/2014/main" id="{7069F9A7-A4ED-E846-8FF4-DA686CE369C3}"/>
+              </a:ext>
+            </a:extLst>
+          </p:cNvPr>
           <p:cNvSpPr/>
           <p:nvPr/>
         </p:nvSpPr>
@@ -4571,10 +4697,16 @@
       </p:sp>
       <p:cxnSp>
         <p:nvCxnSpPr>
-          <p:cNvPr id="74" name="Elbow Connector 63"/>
+          <p:cNvPr id="69" name="Elbow Connector 63">
+            <a:extLst>
+              <a:ext uri="{FF2B5EF4-FFF2-40B4-BE49-F238E27FC236}">
+                <a16:creationId xmlns:a16="http://schemas.microsoft.com/office/drawing/2014/main" id="{AFF5CAB9-15D1-6244-84C9-F6BC09B2BA51}"/>
+              </a:ext>
+            </a:extLst>
+          </p:cNvPr>
           <p:cNvCxnSpPr>
-            <a:stCxn id="43" idx="3"/>
-            <a:endCxn id="16" idx="3"/>
+            <a:stCxn id="63" idx="3"/>
+            <a:endCxn id="52" idx="3"/>
           </p:cNvCxnSpPr>
           <p:nvPr/>
         </p:nvCxnSpPr>
@@ -4612,10 +4744,16 @@
       </p:cxnSp>
       <p:cxnSp>
         <p:nvCxnSpPr>
-          <p:cNvPr id="77" name="Elbow Connector 63"/>
+          <p:cNvPr id="70" name="Elbow Connector 63">
+            <a:extLst>
+              <a:ext uri="{FF2B5EF4-FFF2-40B4-BE49-F238E27FC236}">
+                <a16:creationId xmlns:a16="http://schemas.microsoft.com/office/drawing/2014/main" id="{30E493D6-EFB5-8042-A91A-CEB1F2F83CD7}"/>
+              </a:ext>
+            </a:extLst>
+          </p:cNvPr>
           <p:cNvCxnSpPr>
-            <a:stCxn id="16" idx="3"/>
-            <a:endCxn id="37" idx="3"/>
+            <a:stCxn id="52" idx="3"/>
+            <a:endCxn id="59" idx="3"/>
           </p:cNvCxnSpPr>
           <p:nvPr/>
         </p:nvCxnSpPr>
@@ -4653,18 +4791,23 @@
       </p:cxnSp>
       <p:cxnSp>
         <p:nvCxnSpPr>
-          <p:cNvPr id="82" name="Elbow Connector 63"/>
+          <p:cNvPr id="71" name="Elbow Connector 63">
+            <a:extLst>
+              <a:ext uri="{FF2B5EF4-FFF2-40B4-BE49-F238E27FC236}">
+                <a16:creationId xmlns:a16="http://schemas.microsoft.com/office/drawing/2014/main" id="{AA25DDB0-CBF6-4B47-9BE5-EC5242DBE7B5}"/>
+              </a:ext>
+            </a:extLst>
+          </p:cNvPr>
           <p:cNvCxnSpPr>
-            <a:cxnSpLocks/>
-            <a:stCxn id="16" idx="3"/>
-            <a:endCxn id="34" idx="3"/>
+            <a:stCxn id="52" idx="3"/>
+            <a:endCxn id="56" idx="3"/>
           </p:cNvCxnSpPr>
           <p:nvPr/>
         </p:nvCxnSpPr>
         <p:spPr>
           <a:xfrm rot="5400000">
-            <a:off x="3960644" y="2160355"/>
-            <a:ext cx="1443680" cy="1694970"/>
+            <a:off x="3867176" y="2104987"/>
+            <a:ext cx="1481780" cy="1843806"/>
           </a:xfrm>
           <a:prstGeom prst="bentConnector2">
             <a:avLst/>
@@ -4695,17 +4838,24 @@
       </p:cxnSp>
       <p:cxnSp>
         <p:nvCxnSpPr>
-          <p:cNvPr id="88" name="Elbow Connector 63"/>
+          <p:cNvPr id="72" name="Elbow Connector 63">
+            <a:extLst>
+              <a:ext uri="{FF2B5EF4-FFF2-40B4-BE49-F238E27FC236}">
+                <a16:creationId xmlns:a16="http://schemas.microsoft.com/office/drawing/2014/main" id="{FC78F7CF-B075-524C-8E08-0B7BAE9173BF}"/>
+              </a:ext>
+            </a:extLst>
+          </p:cNvPr>
           <p:cNvCxnSpPr>
-            <a:stCxn id="2" idx="3"/>
-            <a:endCxn id="16" idx="3"/>
+            <a:cxnSpLocks/>
+            <a:stCxn id="46" idx="3"/>
+            <a:endCxn id="52" idx="3"/>
           </p:cNvCxnSpPr>
           <p:nvPr/>
         </p:nvCxnSpPr>
         <p:spPr>
           <a:xfrm flipV="1">
-            <a:off x="3189583" y="2286000"/>
-            <a:ext cx="2340386" cy="228600"/>
+            <a:off x="3189584" y="2286000"/>
+            <a:ext cx="2340385" cy="211578"/>
           </a:xfrm>
           <a:prstGeom prst="bentConnector2">
             <a:avLst/>
@@ -4736,10 +4886,16 @@
       </p:cxnSp>
       <p:cxnSp>
         <p:nvCxnSpPr>
-          <p:cNvPr id="91" name="Elbow Connector 63"/>
+          <p:cNvPr id="75" name="Elbow Connector 63">
+            <a:extLst>
+              <a:ext uri="{FF2B5EF4-FFF2-40B4-BE49-F238E27FC236}">
+                <a16:creationId xmlns:a16="http://schemas.microsoft.com/office/drawing/2014/main" id="{BC7B7E8A-AED0-9549-9FE0-E81098219ED6}"/>
+              </a:ext>
+            </a:extLst>
+          </p:cNvPr>
           <p:cNvCxnSpPr>
-            <a:stCxn id="16" idx="3"/>
-            <a:endCxn id="35" idx="3"/>
+            <a:stCxn id="52" idx="3"/>
+            <a:endCxn id="57" idx="3"/>
           </p:cNvCxnSpPr>
           <p:nvPr/>
         </p:nvCxnSpPr>
@@ -4777,10 +4933,16 @@
       </p:cxnSp>
       <p:cxnSp>
         <p:nvCxnSpPr>
-          <p:cNvPr id="94" name="Elbow Connector 63"/>
+          <p:cNvPr id="76" name="Elbow Connector 63">
+            <a:extLst>
+              <a:ext uri="{FF2B5EF4-FFF2-40B4-BE49-F238E27FC236}">
+                <a16:creationId xmlns:a16="http://schemas.microsoft.com/office/drawing/2014/main" id="{87243E78-0EF5-6E4C-82AF-43015E85B339}"/>
+              </a:ext>
+            </a:extLst>
+          </p:cNvPr>
           <p:cNvCxnSpPr>
-            <a:stCxn id="16" idx="3"/>
-            <a:endCxn id="38" idx="3"/>
+            <a:stCxn id="52" idx="3"/>
+            <a:endCxn id="60" idx="3"/>
           </p:cNvCxnSpPr>
           <p:nvPr/>
         </p:nvCxnSpPr>
@@ -4818,9 +4980,15 @@
       </p:cxnSp>
       <p:cxnSp>
         <p:nvCxnSpPr>
-          <p:cNvPr id="107" name="Elbow Connector 106"/>
+          <p:cNvPr id="78" name="Elbow Connector 77">
+            <a:extLst>
+              <a:ext uri="{FF2B5EF4-FFF2-40B4-BE49-F238E27FC236}">
+                <a16:creationId xmlns:a16="http://schemas.microsoft.com/office/drawing/2014/main" id="{5BCE9BBF-688D-E146-8C94-29DC21E2DE3D}"/>
+              </a:ext>
+            </a:extLst>
+          </p:cNvPr>
           <p:cNvCxnSpPr>
-            <a:stCxn id="9" idx="0"/>
+            <a:stCxn id="49" idx="0"/>
           </p:cNvCxnSpPr>
           <p:nvPr/>
         </p:nvCxnSpPr>
@@ -4859,7 +5027,13 @@
       </p:cxnSp>
       <p:sp>
         <p:nvSpPr>
-          <p:cNvPr id="117" name="Rectangle 65"/>
+          <p:cNvPr id="79" name="Rectangle 65">
+            <a:extLst>
+              <a:ext uri="{FF2B5EF4-FFF2-40B4-BE49-F238E27FC236}">
+                <a16:creationId xmlns:a16="http://schemas.microsoft.com/office/drawing/2014/main" id="{D0D39BE1-898C-CB40-9AFF-D46E20BFD1C4}"/>
+              </a:ext>
+            </a:extLst>
+          </p:cNvPr>
           <p:cNvSpPr/>
           <p:nvPr/>
         </p:nvSpPr>
@@ -4919,7 +5093,13 @@
       </p:sp>
       <p:sp>
         <p:nvSpPr>
-          <p:cNvPr id="119" name="Rectangle 62"/>
+          <p:cNvPr id="80" name="Rectangle 62">
+            <a:extLst>
+              <a:ext uri="{FF2B5EF4-FFF2-40B4-BE49-F238E27FC236}">
+                <a16:creationId xmlns:a16="http://schemas.microsoft.com/office/drawing/2014/main" id="{4404CD50-50D4-7042-B0D4-7DB835BAC644}"/>
+              </a:ext>
+            </a:extLst>
+          </p:cNvPr>
           <p:cNvSpPr/>
           <p:nvPr/>
         </p:nvSpPr>
@@ -4989,7 +5169,13 @@
       </p:sp>
       <p:sp>
         <p:nvSpPr>
-          <p:cNvPr id="120" name="Isosceles Triangle 102"/>
+          <p:cNvPr id="81" name="Isosceles Triangle 102">
+            <a:extLst>
+              <a:ext uri="{FF2B5EF4-FFF2-40B4-BE49-F238E27FC236}">
+                <a16:creationId xmlns:a16="http://schemas.microsoft.com/office/drawing/2014/main" id="{FDC28574-E0B7-294C-A0F1-BCC61E4E41B1}"/>
+              </a:ext>
+            </a:extLst>
+          </p:cNvPr>
           <p:cNvSpPr/>
           <p:nvPr/>
         </p:nvSpPr>
@@ -5037,10 +5223,16 @@
       </p:sp>
       <p:cxnSp>
         <p:nvCxnSpPr>
-          <p:cNvPr id="121" name="Elbow Connector 63"/>
+          <p:cNvPr id="83" name="Elbow Connector 63">
+            <a:extLst>
+              <a:ext uri="{FF2B5EF4-FFF2-40B4-BE49-F238E27FC236}">
+                <a16:creationId xmlns:a16="http://schemas.microsoft.com/office/drawing/2014/main" id="{8C62B7FC-1895-CC42-8A2E-C486BBA07B79}"/>
+              </a:ext>
+            </a:extLst>
+          </p:cNvPr>
           <p:cNvCxnSpPr>
-            <a:stCxn id="9" idx="1"/>
-            <a:endCxn id="120" idx="3"/>
+            <a:stCxn id="49" idx="1"/>
+            <a:endCxn id="81" idx="3"/>
           </p:cNvCxnSpPr>
           <p:nvPr/>
         </p:nvCxnSpPr>
@@ -5079,10 +5271,16 @@
       </p:cxnSp>
       <p:cxnSp>
         <p:nvCxnSpPr>
-          <p:cNvPr id="131" name="Elbow Connector 130"/>
+          <p:cNvPr id="84" name="Elbow Connector 83">
+            <a:extLst>
+              <a:ext uri="{FF2B5EF4-FFF2-40B4-BE49-F238E27FC236}">
+                <a16:creationId xmlns:a16="http://schemas.microsoft.com/office/drawing/2014/main" id="{807AE916-24E2-564C-B22C-ED442AACFEC2}"/>
+              </a:ext>
+            </a:extLst>
+          </p:cNvPr>
           <p:cNvCxnSpPr>
-            <a:stCxn id="39" idx="2"/>
-            <a:endCxn id="43" idx="1"/>
+            <a:stCxn id="61" idx="2"/>
+            <a:endCxn id="63" idx="1"/>
           </p:cNvCxnSpPr>
           <p:nvPr/>
         </p:nvCxnSpPr>
@@ -5120,10 +5318,16 @@
       </p:cxnSp>
       <p:cxnSp>
         <p:nvCxnSpPr>
-          <p:cNvPr id="132" name="Elbow Connector 63"/>
+          <p:cNvPr id="85" name="Elbow Connector 63">
+            <a:extLst>
+              <a:ext uri="{FF2B5EF4-FFF2-40B4-BE49-F238E27FC236}">
+                <a16:creationId xmlns:a16="http://schemas.microsoft.com/office/drawing/2014/main" id="{1FEB5DDC-3A3B-4D4F-9E05-8D55310DF9AB}"/>
+              </a:ext>
+            </a:extLst>
+          </p:cNvPr>
           <p:cNvCxnSpPr>
-            <a:stCxn id="16" idx="3"/>
-            <a:endCxn id="3" idx="3"/>
+            <a:stCxn id="52" idx="3"/>
+            <a:endCxn id="48" idx="3"/>
           </p:cNvCxnSpPr>
           <p:nvPr/>
         </p:nvCxnSpPr>
@@ -5161,10 +5365,16 @@
       </p:cxnSp>
       <p:cxnSp>
         <p:nvCxnSpPr>
-          <p:cNvPr id="137" name="Elbow Connector 136"/>
+          <p:cNvPr id="86" name="Elbow Connector 85">
+            <a:extLst>
+              <a:ext uri="{FF2B5EF4-FFF2-40B4-BE49-F238E27FC236}">
+                <a16:creationId xmlns:a16="http://schemas.microsoft.com/office/drawing/2014/main" id="{308C9C0F-F6EC-EC43-8EB3-D79C3ED63193}"/>
+              </a:ext>
+            </a:extLst>
+          </p:cNvPr>
           <p:cNvCxnSpPr>
-            <a:stCxn id="36" idx="2"/>
-            <a:endCxn id="37" idx="1"/>
+            <a:stCxn id="58" idx="2"/>
+            <a:endCxn id="59" idx="1"/>
           </p:cNvCxnSpPr>
           <p:nvPr/>
         </p:nvCxnSpPr>
@@ -5202,10 +5412,16 @@
       </p:cxnSp>
       <p:cxnSp>
         <p:nvCxnSpPr>
-          <p:cNvPr id="140" name="Elbow Connector 63"/>
+          <p:cNvPr id="87" name="Elbow Connector 63">
+            <a:extLst>
+              <a:ext uri="{FF2B5EF4-FFF2-40B4-BE49-F238E27FC236}">
+                <a16:creationId xmlns:a16="http://schemas.microsoft.com/office/drawing/2014/main" id="{656B6568-AA4F-F144-AA3F-E849E2A332FD}"/>
+              </a:ext>
+            </a:extLst>
+          </p:cNvPr>
           <p:cNvCxnSpPr>
-            <a:stCxn id="16" idx="3"/>
-            <a:endCxn id="36" idx="3"/>
+            <a:stCxn id="52" idx="3"/>
+            <a:endCxn id="58" idx="3"/>
           </p:cNvCxnSpPr>
           <p:nvPr/>
         </p:nvCxnSpPr>
@@ -5243,13 +5459,19 @@
       </p:cxnSp>
       <p:sp>
         <p:nvSpPr>
-          <p:cNvPr id="143" name="Rectangle 142"/>
+          <p:cNvPr id="89" name="Rectangle 88">
+            <a:extLst>
+              <a:ext uri="{FF2B5EF4-FFF2-40B4-BE49-F238E27FC236}">
+                <a16:creationId xmlns:a16="http://schemas.microsoft.com/office/drawing/2014/main" id="{DA0271E9-2A65-2646-96FB-3773D0CA569F}"/>
+              </a:ext>
+            </a:extLst>
+          </p:cNvPr>
           <p:cNvSpPr/>
           <p:nvPr/>
         </p:nvSpPr>
         <p:spPr>
           <a:xfrm>
-            <a:off x="5435896" y="2743200"/>
+            <a:off x="5391173" y="2823582"/>
             <a:ext cx="229325" cy="166560"/>
           </a:xfrm>
           <a:prstGeom prst="rect">
@@ -5296,7 +5518,13 @@
       </p:sp>
       <p:sp>
         <p:nvSpPr>
-          <p:cNvPr id="116" name="Freeform 115"/>
+          <p:cNvPr id="90" name="Freeform 89">
+            <a:extLst>
+              <a:ext uri="{FF2B5EF4-FFF2-40B4-BE49-F238E27FC236}">
+                <a16:creationId xmlns:a16="http://schemas.microsoft.com/office/drawing/2014/main" id="{75CDC21C-A525-4C4B-AE88-86F2CE928668}"/>
+              </a:ext>
+            </a:extLst>
+          </p:cNvPr>
           <p:cNvSpPr/>
           <p:nvPr/>
         </p:nvSpPr>
@@ -5378,7 +5606,13 @@
       </p:sp>
       <p:sp>
         <p:nvSpPr>
-          <p:cNvPr id="144" name="Rectangle 143"/>
+          <p:cNvPr id="92" name="Rectangle 91">
+            <a:extLst>
+              <a:ext uri="{FF2B5EF4-FFF2-40B4-BE49-F238E27FC236}">
+                <a16:creationId xmlns:a16="http://schemas.microsoft.com/office/drawing/2014/main" id="{6D228AE4-890C-C844-A3CF-E8209F860138}"/>
+              </a:ext>
+            </a:extLst>
+          </p:cNvPr>
           <p:cNvSpPr/>
           <p:nvPr/>
         </p:nvSpPr>
@@ -5431,7 +5665,13 @@
       </p:sp>
       <p:sp>
         <p:nvSpPr>
-          <p:cNvPr id="118" name="Freeform 117"/>
+          <p:cNvPr id="93" name="Freeform 92">
+            <a:extLst>
+              <a:ext uri="{FF2B5EF4-FFF2-40B4-BE49-F238E27FC236}">
+                <a16:creationId xmlns:a16="http://schemas.microsoft.com/office/drawing/2014/main" id="{AD98E0DD-34DE-0948-8CCD-5D10D21DDABF}"/>
+              </a:ext>
+            </a:extLst>
+          </p:cNvPr>
           <p:cNvSpPr/>
           <p:nvPr/>
         </p:nvSpPr>
@@ -5513,10 +5753,10 @@
       </p:sp>
       <p:sp>
         <p:nvSpPr>
-          <p:cNvPr id="42" name="Freeform 117">
+          <p:cNvPr id="95" name="Freeform 117">
             <a:extLst>
               <a:ext uri="{FF2B5EF4-FFF2-40B4-BE49-F238E27FC236}">
-                <a16:creationId xmlns:a16="http://schemas.microsoft.com/office/drawing/2014/main" id="{7F6B7B13-913C-42F6-BD53-79BCE6579DF4}"/>
+                <a16:creationId xmlns:a16="http://schemas.microsoft.com/office/drawing/2014/main" id="{6070220F-88BD-AD43-B289-3A631E873312}"/>
               </a:ext>
             </a:extLst>
           </p:cNvPr>
@@ -5599,6 +5839,462 @@
           </a:p>
         </p:txBody>
       </p:sp>
+      <p:sp>
+        <p:nvSpPr>
+          <p:cNvPr id="96" name="Rectangle 11">
+            <a:extLst>
+              <a:ext uri="{FF2B5EF4-FFF2-40B4-BE49-F238E27FC236}">
+                <a16:creationId xmlns:a16="http://schemas.microsoft.com/office/drawing/2014/main" id="{5DAE0FDF-7039-2C4D-952C-C5D5BB1343C5}"/>
+              </a:ext>
+            </a:extLst>
+          </p:cNvPr>
+          <p:cNvSpPr/>
+          <p:nvPr/>
+        </p:nvSpPr>
+        <p:spPr>
+          <a:xfrm>
+            <a:off x="2592527" y="5753942"/>
+            <a:ext cx="1093635" cy="236841"/>
+          </a:xfrm>
+          <a:prstGeom prst="rect">
+            <a:avLst/>
+          </a:prstGeom>
+          <a:ln w="19050">
+            <a:solidFill>
+              <a:schemeClr val="accent3"/>
+            </a:solidFill>
+          </a:ln>
+          <a:effectLst/>
+        </p:spPr>
+        <p:style>
+          <a:lnRef idx="1">
+            <a:schemeClr val="accent3"/>
+          </a:lnRef>
+          <a:fillRef idx="2">
+            <a:schemeClr val="accent3"/>
+          </a:fillRef>
+          <a:effectRef idx="1">
+            <a:schemeClr val="accent3"/>
+          </a:effectRef>
+          <a:fontRef idx="minor">
+            <a:schemeClr val="dk1"/>
+          </a:fontRef>
+        </p:style>
+        <p:txBody>
+          <a:bodyPr rtlCol="0" anchor="ctr"/>
+          <a:lstStyle/>
+          <a:p>
+            <a:pPr algn="ctr"/>
+            <a:r>
+              <a:rPr lang="en-US" sz="1050" b="1" dirty="0" err="1">
+                <a:solidFill>
+                  <a:schemeClr val="accent3">
+                    <a:lumMod val="75000"/>
+                  </a:schemeClr>
+                </a:solidFill>
+              </a:rPr>
+              <a:t>EmailWindow</a:t>
+            </a:r>
+            <a:endParaRPr lang="en-SG" sz="1050" b="1" dirty="0">
+              <a:solidFill>
+                <a:schemeClr val="accent3">
+                  <a:lumMod val="75000"/>
+                </a:schemeClr>
+              </a:solidFill>
+            </a:endParaRPr>
+          </a:p>
+        </p:txBody>
+      </p:sp>
+      <p:cxnSp>
+        <p:nvCxnSpPr>
+          <p:cNvPr id="97" name="Elbow Connector 63">
+            <a:extLst>
+              <a:ext uri="{FF2B5EF4-FFF2-40B4-BE49-F238E27FC236}">
+                <a16:creationId xmlns:a16="http://schemas.microsoft.com/office/drawing/2014/main" id="{4ED4BCFD-FE04-2047-9121-8F0C0E79B433}"/>
+              </a:ext>
+            </a:extLst>
+          </p:cNvPr>
+          <p:cNvCxnSpPr>
+            <a:cxnSpLocks/>
+            <a:stCxn id="52" idx="3"/>
+            <a:endCxn id="96" idx="3"/>
+          </p:cNvCxnSpPr>
+          <p:nvPr/>
+        </p:nvCxnSpPr>
+        <p:spPr>
+          <a:xfrm rot="5400000">
+            <a:off x="2814885" y="3157278"/>
+            <a:ext cx="3586363" cy="1843807"/>
+          </a:xfrm>
+          <a:prstGeom prst="bentConnector2">
+            <a:avLst/>
+          </a:prstGeom>
+          <a:ln w="6350">
+            <a:solidFill>
+              <a:schemeClr val="accent3"/>
+            </a:solidFill>
+            <a:headEnd type="none" w="med" len="med"/>
+            <a:tailEnd type="none" w="med" len="med"/>
+          </a:ln>
+          <a:effectLst/>
+        </p:spPr>
+        <p:style>
+          <a:lnRef idx="1">
+            <a:schemeClr val="accent2"/>
+          </a:lnRef>
+          <a:fillRef idx="2">
+            <a:schemeClr val="accent2"/>
+          </a:fillRef>
+          <a:effectRef idx="1">
+            <a:schemeClr val="accent2"/>
+          </a:effectRef>
+          <a:fontRef idx="minor">
+            <a:schemeClr val="dk1"/>
+          </a:fontRef>
+        </p:style>
+      </p:cxnSp>
+      <p:cxnSp>
+        <p:nvCxnSpPr>
+          <p:cNvPr id="98" name="Elbow Connector 63">
+            <a:extLst>
+              <a:ext uri="{FF2B5EF4-FFF2-40B4-BE49-F238E27FC236}">
+                <a16:creationId xmlns:a16="http://schemas.microsoft.com/office/drawing/2014/main" id="{29F5784B-EFBE-3A42-9588-AFA8FF685D7C}"/>
+              </a:ext>
+            </a:extLst>
+          </p:cNvPr>
+          <p:cNvCxnSpPr>
+            <a:cxnSpLocks/>
+            <a:endCxn id="96" idx="1"/>
+          </p:cNvCxnSpPr>
+          <p:nvPr/>
+        </p:nvCxnSpPr>
+        <p:spPr>
+          <a:xfrm rot="16200000" flipH="1">
+            <a:off x="713596" y="3993431"/>
+            <a:ext cx="3114651" cy="643211"/>
+          </a:xfrm>
+          <a:prstGeom prst="bentConnector2">
+            <a:avLst/>
+          </a:prstGeom>
+          <a:ln w="19050">
+            <a:solidFill>
+              <a:schemeClr val="accent3"/>
+            </a:solidFill>
+            <a:headEnd type="none" w="med" len="med"/>
+            <a:tailEnd type="arrow" w="med" len="med"/>
+          </a:ln>
+          <a:effectLst/>
+        </p:spPr>
+        <p:style>
+          <a:lnRef idx="1">
+            <a:schemeClr val="accent2"/>
+          </a:lnRef>
+          <a:fillRef idx="2">
+            <a:schemeClr val="accent2"/>
+          </a:fillRef>
+          <a:effectRef idx="1">
+            <a:schemeClr val="accent2"/>
+          </a:effectRef>
+          <a:fontRef idx="minor">
+            <a:schemeClr val="dk1"/>
+          </a:fontRef>
+        </p:style>
+      </p:cxnSp>
+      <p:cxnSp>
+        <p:nvCxnSpPr>
+          <p:cNvPr id="99" name="Elbow Connector 63">
+            <a:extLst>
+              <a:ext uri="{FF2B5EF4-FFF2-40B4-BE49-F238E27FC236}">
+                <a16:creationId xmlns:a16="http://schemas.microsoft.com/office/drawing/2014/main" id="{6561BAAD-162A-C34D-951D-C4435F254340}"/>
+              </a:ext>
+            </a:extLst>
+          </p:cNvPr>
+          <p:cNvCxnSpPr>
+            <a:cxnSpLocks/>
+          </p:cNvCxnSpPr>
+          <p:nvPr/>
+        </p:nvCxnSpPr>
+        <p:spPr>
+          <a:xfrm rot="10800000" flipV="1">
+            <a:off x="3683944" y="3539517"/>
+            <a:ext cx="3036965" cy="2414938"/>
+          </a:xfrm>
+          <a:prstGeom prst="bentConnector3">
+            <a:avLst>
+              <a:gd name="adj1" fmla="val 32317"/>
+            </a:avLst>
+          </a:prstGeom>
+          <a:ln w="6350">
+            <a:solidFill>
+              <a:schemeClr val="accent3"/>
+            </a:solidFill>
+            <a:headEnd type="none" w="med" len="med"/>
+            <a:tailEnd type="none" w="med" len="med"/>
+          </a:ln>
+          <a:effectLst/>
+        </p:spPr>
+        <p:style>
+          <a:lnRef idx="1">
+            <a:schemeClr val="accent2"/>
+          </a:lnRef>
+          <a:fillRef idx="2">
+            <a:schemeClr val="accent2"/>
+          </a:fillRef>
+          <a:effectRef idx="1">
+            <a:schemeClr val="accent2"/>
+          </a:effectRef>
+          <a:fontRef idx="minor">
+            <a:schemeClr val="dk1"/>
+          </a:fontRef>
+        </p:style>
+      </p:cxnSp>
+      <p:cxnSp>
+        <p:nvCxnSpPr>
+          <p:cNvPr id="100" name="Straight Connector 99">
+            <a:extLst>
+              <a:ext uri="{FF2B5EF4-FFF2-40B4-BE49-F238E27FC236}">
+                <a16:creationId xmlns:a16="http://schemas.microsoft.com/office/drawing/2014/main" id="{6580FF73-7CDA-0B42-98D9-E1A3183C4754}"/>
+              </a:ext>
+            </a:extLst>
+          </p:cNvPr>
+          <p:cNvCxnSpPr>
+            <a:cxnSpLocks/>
+          </p:cNvCxnSpPr>
+          <p:nvPr/>
+        </p:nvCxnSpPr>
+        <p:spPr>
+          <a:xfrm>
+            <a:off x="6623604" y="3454150"/>
+            <a:ext cx="92807" cy="83857"/>
+          </a:xfrm>
+          <a:prstGeom prst="line">
+            <a:avLst/>
+          </a:prstGeom>
+          <a:ln>
+            <a:solidFill>
+              <a:srgbClr val="92D050"/>
+            </a:solidFill>
+          </a:ln>
+        </p:spPr>
+        <p:style>
+          <a:lnRef idx="1">
+            <a:schemeClr val="accent1"/>
+          </a:lnRef>
+          <a:fillRef idx="0">
+            <a:schemeClr val="accent1"/>
+          </a:fillRef>
+          <a:effectRef idx="0">
+            <a:schemeClr val="accent1"/>
+          </a:effectRef>
+          <a:fontRef idx="minor">
+            <a:schemeClr val="tx1"/>
+          </a:fontRef>
+        </p:style>
+      </p:cxnSp>
+      <p:cxnSp>
+        <p:nvCxnSpPr>
+          <p:cNvPr id="101" name="Straight Connector 100">
+            <a:extLst>
+              <a:ext uri="{FF2B5EF4-FFF2-40B4-BE49-F238E27FC236}">
+                <a16:creationId xmlns:a16="http://schemas.microsoft.com/office/drawing/2014/main" id="{0D2CD377-E536-324A-A113-1C11BD19925A}"/>
+              </a:ext>
+            </a:extLst>
+          </p:cNvPr>
+          <p:cNvCxnSpPr>
+            <a:cxnSpLocks/>
+          </p:cNvCxnSpPr>
+          <p:nvPr/>
+        </p:nvCxnSpPr>
+        <p:spPr>
+          <a:xfrm flipH="1">
+            <a:off x="6619278" y="3541089"/>
+            <a:ext cx="99022" cy="72131"/>
+          </a:xfrm>
+          <a:prstGeom prst="line">
+            <a:avLst/>
+          </a:prstGeom>
+          <a:ln>
+            <a:solidFill>
+              <a:srgbClr val="92D050"/>
+            </a:solidFill>
+          </a:ln>
+        </p:spPr>
+        <p:style>
+          <a:lnRef idx="1">
+            <a:schemeClr val="accent1"/>
+          </a:lnRef>
+          <a:fillRef idx="0">
+            <a:schemeClr val="accent1"/>
+          </a:fillRef>
+          <a:effectRef idx="0">
+            <a:schemeClr val="accent1"/>
+          </a:effectRef>
+          <a:fontRef idx="minor">
+            <a:schemeClr val="tx1"/>
+          </a:fontRef>
+        </p:style>
+      </p:cxnSp>
+      <p:sp>
+        <p:nvSpPr>
+          <p:cNvPr id="102" name="Rectangle 11">
+            <a:extLst>
+              <a:ext uri="{FF2B5EF4-FFF2-40B4-BE49-F238E27FC236}">
+                <a16:creationId xmlns:a16="http://schemas.microsoft.com/office/drawing/2014/main" id="{29227B8C-A1D4-5442-B2F6-5A6C4A17F2F4}"/>
+              </a:ext>
+            </a:extLst>
+          </p:cNvPr>
+          <p:cNvSpPr/>
+          <p:nvPr/>
+        </p:nvSpPr>
+        <p:spPr>
+          <a:xfrm>
+            <a:off x="2589937" y="5410198"/>
+            <a:ext cx="1455911" cy="259311"/>
+          </a:xfrm>
+          <a:prstGeom prst="rect">
+            <a:avLst/>
+          </a:prstGeom>
+          <a:ln w="19050">
+            <a:solidFill>
+              <a:schemeClr val="accent3"/>
+            </a:solidFill>
+          </a:ln>
+          <a:effectLst/>
+        </p:spPr>
+        <p:style>
+          <a:lnRef idx="1">
+            <a:schemeClr val="accent3"/>
+          </a:lnRef>
+          <a:fillRef idx="2">
+            <a:schemeClr val="accent3"/>
+          </a:fillRef>
+          <a:effectRef idx="1">
+            <a:schemeClr val="accent3"/>
+          </a:effectRef>
+          <a:fontRef idx="minor">
+            <a:schemeClr val="dk1"/>
+          </a:fontRef>
+        </p:style>
+        <p:txBody>
+          <a:bodyPr rtlCol="0" anchor="ctr"/>
+          <a:lstStyle/>
+          <a:p>
+            <a:pPr algn="ctr"/>
+            <a:r>
+              <a:rPr lang="en-US" sz="1050" b="1" dirty="0" err="1">
+                <a:solidFill>
+                  <a:schemeClr val="accent3">
+                    <a:lumMod val="75000"/>
+                  </a:schemeClr>
+                </a:solidFill>
+              </a:rPr>
+              <a:t>ImportReportWindow</a:t>
+            </a:r>
+            <a:endParaRPr lang="en-SG" sz="1050" b="1" dirty="0">
+              <a:solidFill>
+                <a:schemeClr val="accent3">
+                  <a:lumMod val="75000"/>
+                </a:schemeClr>
+              </a:solidFill>
+            </a:endParaRPr>
+          </a:p>
+        </p:txBody>
+      </p:sp>
+      <p:cxnSp>
+        <p:nvCxnSpPr>
+          <p:cNvPr id="103" name="Elbow Connector 63">
+            <a:extLst>
+              <a:ext uri="{FF2B5EF4-FFF2-40B4-BE49-F238E27FC236}">
+                <a16:creationId xmlns:a16="http://schemas.microsoft.com/office/drawing/2014/main" id="{2D5E3526-9C08-6E4B-8010-A4DD1F3C3A14}"/>
+              </a:ext>
+            </a:extLst>
+          </p:cNvPr>
+          <p:cNvCxnSpPr>
+            <a:cxnSpLocks/>
+            <a:endCxn id="102" idx="1"/>
+          </p:cNvCxnSpPr>
+          <p:nvPr/>
+        </p:nvCxnSpPr>
+        <p:spPr>
+          <a:xfrm rot="16200000" flipH="1">
+            <a:off x="902881" y="3852798"/>
+            <a:ext cx="2885918" cy="488194"/>
+          </a:xfrm>
+          <a:prstGeom prst="bentConnector2">
+            <a:avLst/>
+          </a:prstGeom>
+          <a:ln w="19050">
+            <a:solidFill>
+              <a:schemeClr val="accent3"/>
+            </a:solidFill>
+            <a:headEnd type="none" w="med" len="med"/>
+            <a:tailEnd type="arrow" w="med" len="med"/>
+          </a:ln>
+          <a:effectLst/>
+        </p:spPr>
+        <p:style>
+          <a:lnRef idx="1">
+            <a:schemeClr val="accent2"/>
+          </a:lnRef>
+          <a:fillRef idx="2">
+            <a:schemeClr val="accent2"/>
+          </a:fillRef>
+          <a:effectRef idx="1">
+            <a:schemeClr val="accent2"/>
+          </a:effectRef>
+          <a:fontRef idx="minor">
+            <a:schemeClr val="dk1"/>
+          </a:fontRef>
+        </p:style>
+      </p:cxnSp>
+      <p:cxnSp>
+        <p:nvCxnSpPr>
+          <p:cNvPr id="104" name="Elbow Connector 63">
+            <a:extLst>
+              <a:ext uri="{FF2B5EF4-FFF2-40B4-BE49-F238E27FC236}">
+                <a16:creationId xmlns:a16="http://schemas.microsoft.com/office/drawing/2014/main" id="{AEE155E2-BA52-3F41-AC45-C308DCA8B51C}"/>
+              </a:ext>
+            </a:extLst>
+          </p:cNvPr>
+          <p:cNvCxnSpPr>
+            <a:cxnSpLocks/>
+            <a:stCxn id="52" idx="3"/>
+            <a:endCxn id="102" idx="3"/>
+          </p:cNvCxnSpPr>
+          <p:nvPr/>
+        </p:nvCxnSpPr>
+        <p:spPr>
+          <a:xfrm rot="5400000">
+            <a:off x="3160982" y="3170867"/>
+            <a:ext cx="3253854" cy="1484121"/>
+          </a:xfrm>
+          <a:prstGeom prst="bentConnector2">
+            <a:avLst/>
+          </a:prstGeom>
+          <a:ln w="6350">
+            <a:solidFill>
+              <a:schemeClr val="accent3"/>
+            </a:solidFill>
+            <a:headEnd type="none" w="med" len="med"/>
+            <a:tailEnd type="none" w="med" len="med"/>
+          </a:ln>
+          <a:effectLst/>
+        </p:spPr>
+        <p:style>
+          <a:lnRef idx="1">
+            <a:schemeClr val="accent2"/>
+          </a:lnRef>
+          <a:fillRef idx="2">
+            <a:schemeClr val="accent2"/>
+          </a:fillRef>
+          <a:effectRef idx="1">
+            <a:schemeClr val="accent2"/>
+          </a:effectRef>
+          <a:fontRef idx="minor">
+            <a:schemeClr val="dk1"/>
+          </a:fontRef>
+        </p:style>
+      </p:cxnSp>
     </p:spTree>
     <p:extLst>
       <p:ext uri="{BB962C8B-B14F-4D97-AF65-F5344CB8AC3E}">

--- a/docs/diagrams/UiComponentClassDiagram.pptx
+++ b/docs/diagrams/UiComponentClassDiagram.pptx
@@ -4574,14 +4574,15 @@
             </a:extLst>
           </p:cNvPr>
           <p:cNvCxnSpPr>
+            <a:cxnSpLocks/>
             <a:endCxn id="60" idx="1"/>
           </p:cNvCxnSpPr>
           <p:nvPr/>
         </p:nvCxnSpPr>
         <p:spPr>
           <a:xfrm rot="16200000" flipH="1">
-            <a:off x="1181038" y="3823551"/>
-            <a:ext cx="2396440" cy="420377"/>
+            <a:off x="1141172" y="3783685"/>
+            <a:ext cx="2578024" cy="318526"/>
           </a:xfrm>
           <a:prstGeom prst="bentConnector2">
             <a:avLst/>
@@ -5970,8 +5971,8 @@
         </p:nvCxnSpPr>
         <p:spPr>
           <a:xfrm rot="16200000" flipH="1">
-            <a:off x="713596" y="3993431"/>
-            <a:ext cx="3114651" cy="643211"/>
+            <a:off x="715750" y="3995585"/>
+            <a:ext cx="3218427" cy="535127"/>
           </a:xfrm>
           <a:prstGeom prst="bentConnector2">
             <a:avLst/>
@@ -5980,6 +5981,7 @@
             <a:solidFill>
               <a:schemeClr val="accent3"/>
             </a:solidFill>
+            <a:prstDash val="dash"/>
             <a:headEnd type="none" w="med" len="med"/>
             <a:tailEnd type="arrow" w="med" len="med"/>
           </a:ln>
@@ -6217,8 +6219,8 @@
         </p:nvCxnSpPr>
         <p:spPr>
           <a:xfrm rot="16200000" flipH="1">
-            <a:off x="902881" y="3852798"/>
-            <a:ext cx="2885918" cy="488194"/>
+            <a:off x="918811" y="3868728"/>
+            <a:ext cx="2885916" cy="456335"/>
           </a:xfrm>
           <a:prstGeom prst="bentConnector2">
             <a:avLst/>
@@ -6227,6 +6229,7 @@
             <a:solidFill>
               <a:schemeClr val="accent3"/>
             </a:solidFill>
+            <a:prstDash val="dash"/>
             <a:headEnd type="none" w="med" len="med"/>
             <a:tailEnd type="arrow" w="med" len="med"/>
           </a:ln>
@@ -6270,6 +6273,256 @@
           </a:xfrm>
           <a:prstGeom prst="bentConnector2">
             <a:avLst/>
+          </a:prstGeom>
+          <a:ln w="6350">
+            <a:solidFill>
+              <a:schemeClr val="accent3"/>
+            </a:solidFill>
+            <a:headEnd type="none" w="med" len="med"/>
+            <a:tailEnd type="none" w="med" len="med"/>
+          </a:ln>
+          <a:effectLst/>
+        </p:spPr>
+        <p:style>
+          <a:lnRef idx="1">
+            <a:schemeClr val="accent2"/>
+          </a:lnRef>
+          <a:fillRef idx="2">
+            <a:schemeClr val="accent2"/>
+          </a:fillRef>
+          <a:effectRef idx="1">
+            <a:schemeClr val="accent2"/>
+          </a:effectRef>
+          <a:fontRef idx="minor">
+            <a:schemeClr val="dk1"/>
+          </a:fontRef>
+        </p:style>
+      </p:cxnSp>
+      <p:sp>
+        <p:nvSpPr>
+          <p:cNvPr id="53" name="Rectangle 11">
+            <a:extLst>
+              <a:ext uri="{FF2B5EF4-FFF2-40B4-BE49-F238E27FC236}">
+                <a16:creationId xmlns:a16="http://schemas.microsoft.com/office/drawing/2014/main" id="{800A4602-36A3-D447-A558-18898DD5E7EC}"/>
+              </a:ext>
+            </a:extLst>
+          </p:cNvPr>
+          <p:cNvSpPr/>
+          <p:nvPr/>
+        </p:nvSpPr>
+        <p:spPr>
+          <a:xfrm>
+            <a:off x="2586539" y="4505046"/>
+            <a:ext cx="1093635" cy="236841"/>
+          </a:xfrm>
+          <a:prstGeom prst="rect">
+            <a:avLst/>
+          </a:prstGeom>
+          <a:ln w="19050">
+            <a:solidFill>
+              <a:schemeClr val="accent3"/>
+            </a:solidFill>
+          </a:ln>
+          <a:effectLst/>
+        </p:spPr>
+        <p:style>
+          <a:lnRef idx="1">
+            <a:schemeClr val="accent3"/>
+          </a:lnRef>
+          <a:fillRef idx="2">
+            <a:schemeClr val="accent3"/>
+          </a:fillRef>
+          <a:effectRef idx="1">
+            <a:schemeClr val="accent3"/>
+          </a:effectRef>
+          <a:fontRef idx="minor">
+            <a:schemeClr val="dk1"/>
+          </a:fontRef>
+        </p:style>
+        <p:txBody>
+          <a:bodyPr rtlCol="0" anchor="ctr"/>
+          <a:lstStyle/>
+          <a:p>
+            <a:pPr algn="ctr"/>
+            <a:r>
+              <a:rPr lang="en-US" sz="1050" b="1" dirty="0" err="1">
+                <a:solidFill>
+                  <a:schemeClr val="accent3">
+                    <a:lumMod val="75000"/>
+                  </a:schemeClr>
+                </a:solidFill>
+              </a:rPr>
+              <a:t>PersonDisplay</a:t>
+            </a:r>
+            <a:endParaRPr lang="en-SG" sz="1050" b="1" dirty="0">
+              <a:solidFill>
+                <a:schemeClr val="accent3">
+                  <a:lumMod val="75000"/>
+                </a:schemeClr>
+              </a:solidFill>
+            </a:endParaRPr>
+          </a:p>
+        </p:txBody>
+      </p:sp>
+      <p:cxnSp>
+        <p:nvCxnSpPr>
+          <p:cNvPr id="73" name="Elbow Connector 63">
+            <a:extLst>
+              <a:ext uri="{FF2B5EF4-FFF2-40B4-BE49-F238E27FC236}">
+                <a16:creationId xmlns:a16="http://schemas.microsoft.com/office/drawing/2014/main" id="{83B45D82-EB5C-4A43-9358-A2BABE4221F3}"/>
+              </a:ext>
+            </a:extLst>
+          </p:cNvPr>
+          <p:cNvCxnSpPr>
+            <a:cxnSpLocks/>
+            <a:endCxn id="53" idx="1"/>
+          </p:cNvCxnSpPr>
+          <p:nvPr/>
+        </p:nvCxnSpPr>
+        <p:spPr>
+          <a:xfrm rot="16200000" flipH="1">
+            <a:off x="1463111" y="3500038"/>
+            <a:ext cx="2074781" cy="172075"/>
+          </a:xfrm>
+          <a:prstGeom prst="bentConnector2">
+            <a:avLst/>
+          </a:prstGeom>
+          <a:ln w="19050">
+            <a:solidFill>
+              <a:schemeClr val="accent3"/>
+            </a:solidFill>
+            <a:headEnd type="none" w="med" len="med"/>
+            <a:tailEnd type="arrow" w="med" len="med"/>
+          </a:ln>
+          <a:effectLst/>
+        </p:spPr>
+        <p:style>
+          <a:lnRef idx="1">
+            <a:schemeClr val="accent2"/>
+          </a:lnRef>
+          <a:fillRef idx="2">
+            <a:schemeClr val="accent2"/>
+          </a:fillRef>
+          <a:effectRef idx="1">
+            <a:schemeClr val="accent2"/>
+          </a:effectRef>
+          <a:fontRef idx="minor">
+            <a:schemeClr val="dk1"/>
+          </a:fontRef>
+        </p:style>
+      </p:cxnSp>
+      <p:sp>
+        <p:nvSpPr>
+          <p:cNvPr id="74" name="Freeform 117">
+            <a:extLst>
+              <a:ext uri="{FF2B5EF4-FFF2-40B4-BE49-F238E27FC236}">
+                <a16:creationId xmlns:a16="http://schemas.microsoft.com/office/drawing/2014/main" id="{E12F2953-67A0-DF4A-A3BD-C22F78D893C3}"/>
+              </a:ext>
+            </a:extLst>
+          </p:cNvPr>
+          <p:cNvSpPr/>
+          <p:nvPr/>
+        </p:nvSpPr>
+        <p:spPr>
+          <a:xfrm flipV="1">
+            <a:off x="3685670" y="4702506"/>
+            <a:ext cx="3073914" cy="137923"/>
+          </a:xfrm>
+          <a:custGeom>
+            <a:avLst/>
+            <a:gdLst>
+              <a:gd name="connsiteX0" fmla="*/ 0 w 3048000"/>
+              <a:gd name="connsiteY0" fmla="*/ 203200 h 203200"/>
+              <a:gd name="connsiteX1" fmla="*/ 221673 w 3048000"/>
+              <a:gd name="connsiteY1" fmla="*/ 0 h 203200"/>
+              <a:gd name="connsiteX2" fmla="*/ 3048000 w 3048000"/>
+              <a:gd name="connsiteY2" fmla="*/ 0 h 203200"/>
+            </a:gdLst>
+            <a:ahLst/>
+            <a:cxnLst>
+              <a:cxn ang="0">
+                <a:pos x="connsiteX0" y="connsiteY0"/>
+              </a:cxn>
+              <a:cxn ang="0">
+                <a:pos x="connsiteX1" y="connsiteY1"/>
+              </a:cxn>
+              <a:cxn ang="0">
+                <a:pos x="connsiteX2" y="connsiteY2"/>
+              </a:cxn>
+            </a:cxnLst>
+            <a:rect l="l" t="t" r="r" b="b"/>
+            <a:pathLst>
+              <a:path w="3048000" h="203200">
+                <a:moveTo>
+                  <a:pt x="0" y="203200"/>
+                </a:moveTo>
+                <a:lnTo>
+                  <a:pt x="221673" y="0"/>
+                </a:lnTo>
+                <a:lnTo>
+                  <a:pt x="3048000" y="0"/>
+                </a:lnTo>
+              </a:path>
+            </a:pathLst>
+          </a:custGeom>
+          <a:noFill/>
+          <a:ln w="19050">
+            <a:solidFill>
+              <a:schemeClr val="accent3"/>
+            </a:solidFill>
+            <a:prstDash val="sysDot"/>
+            <a:headEnd type="none" w="med" len="med"/>
+            <a:tailEnd type="arrow" w="med" len="med"/>
+          </a:ln>
+          <a:effectLst/>
+        </p:spPr>
+        <p:style>
+          <a:lnRef idx="1">
+            <a:schemeClr val="accent2"/>
+          </a:lnRef>
+          <a:fillRef idx="2">
+            <a:schemeClr val="accent2"/>
+          </a:fillRef>
+          <a:effectRef idx="1">
+            <a:schemeClr val="accent2"/>
+          </a:effectRef>
+          <a:fontRef idx="minor">
+            <a:schemeClr val="dk1"/>
+          </a:fontRef>
+        </p:style>
+        <p:txBody>
+          <a:bodyPr rtlCol="0" anchor="ctr"/>
+          <a:lstStyle/>
+          <a:p>
+            <a:pPr algn="ctr"/>
+            <a:endParaRPr lang="en-SG"/>
+          </a:p>
+        </p:txBody>
+      </p:sp>
+      <p:cxnSp>
+        <p:nvCxnSpPr>
+          <p:cNvPr id="77" name="Elbow Connector 63">
+            <a:extLst>
+              <a:ext uri="{FF2B5EF4-FFF2-40B4-BE49-F238E27FC236}">
+                <a16:creationId xmlns:a16="http://schemas.microsoft.com/office/drawing/2014/main" id="{CB9940B7-C96C-7944-A7DD-AEBBD8CD7101}"/>
+              </a:ext>
+            </a:extLst>
+          </p:cNvPr>
+          <p:cNvCxnSpPr>
+            <a:cxnSpLocks/>
+            <a:stCxn id="52" idx="3"/>
+          </p:cNvCxnSpPr>
+          <p:nvPr/>
+        </p:nvCxnSpPr>
+        <p:spPr>
+          <a:xfrm rot="5400000">
+            <a:off x="3425649" y="2544876"/>
+            <a:ext cx="2363196" cy="1845444"/>
+          </a:xfrm>
+          <a:prstGeom prst="bentConnector3">
+            <a:avLst>
+              <a:gd name="adj1" fmla="val 99341"/>
+            </a:avLst>
           </a:prstGeom>
           <a:ln w="6350">
             <a:solidFill>
